--- a/Project/Final Presentation/Shoot The Object - Presentation.pptx
+++ b/Project/Final Presentation/Shoot The Object - Presentation.pptx
@@ -122,7 +122,41 @@
       </a:defRPr>
     </a:lvl9pPr>
   </p:defaultTextStyle>
+  <p:extLst>
+    <p:ext uri="{EFAFB233-063F-42B5-8137-9DF3F51BA10A}">
+      <p15:sldGuideLst xmlns:p15="http://schemas.microsoft.com/office/powerpoint/2012/main"/>
+    </p:ext>
+  </p:extLst>
 </p:presentation>
+</file>
+
+<file path=ppt/changesInfos/changesInfo1.xml><?xml version="1.0" encoding="utf-8"?>
+<pc:chgInfo xmlns:a="http://schemas.openxmlformats.org/drawingml/2006/main" xmlns:r="http://schemas.openxmlformats.org/officeDocument/2006/relationships" xmlns:ac="http://schemas.microsoft.com/office/drawing/2013/main/command" xmlns:pc="http://schemas.microsoft.com/office/powerpoint/2013/main/command">
+  <pc:docChgLst>
+    <pc:chgData name="Kiran Shettar" userId="ce36c2156924a6f9" providerId="LiveId" clId="{CE3D3962-C4B0-448F-AFA2-BF38BAD6AB4C}"/>
+    <pc:docChg chg="modSld">
+      <pc:chgData name="Kiran Shettar" userId="ce36c2156924a6f9" providerId="LiveId" clId="{CE3D3962-C4B0-448F-AFA2-BF38BAD6AB4C}" dt="2017-12-13T08:00:41.774" v="1" actId="20577"/>
+      <pc:docMkLst>
+        <pc:docMk/>
+      </pc:docMkLst>
+      <pc:sldChg chg="modSp">
+        <pc:chgData name="Kiran Shettar" userId="ce36c2156924a6f9" providerId="LiveId" clId="{CE3D3962-C4B0-448F-AFA2-BF38BAD6AB4C}" dt="2017-12-13T08:00:41.774" v="1" actId="20577"/>
+        <pc:sldMkLst>
+          <pc:docMk/>
+          <pc:sldMk cId="158768769" sldId="256"/>
+        </pc:sldMkLst>
+        <pc:spChg chg="mod">
+          <ac:chgData name="Kiran Shettar" userId="ce36c2156924a6f9" providerId="LiveId" clId="{CE3D3962-C4B0-448F-AFA2-BF38BAD6AB4C}" dt="2017-12-13T08:00:41.774" v="1" actId="20577"/>
+          <ac:spMkLst>
+            <pc:docMk/>
+            <pc:sldMk cId="158768769" sldId="256"/>
+            <ac:spMk id="3" creationId="{5D1F2DFA-7081-4E6F-884F-6DC6AFFBBBE8}"/>
+          </ac:spMkLst>
+        </pc:spChg>
+      </pc:sldChg>
+    </pc:docChg>
+  </pc:docChgLst>
+</pc:chgInfo>
 </file>
 
 <file path=ppt/notesMasters/notesMaster1.xml><?xml version="1.0" encoding="utf-8"?>
@@ -207,7 +241,7 @@
           <a:p>
             <a:fld id="{D77AA528-D5C6-4270-A84F-EFB1A026757F}" type="datetimeFigureOut">
               <a:rPr lang="en-US" smtClean="0"/>
-              <a:t>12/12/2017</a:t>
+              <a:t>12/13/2017</a:t>
             </a:fld>
             <a:endParaRPr lang="en-US"/>
           </a:p>
@@ -6497,14 +6531,13 @@
           </a:p>
           <a:p>
             <a:r>
+              <a:rPr lang="en-US"/>
+              <a:t>- Kiran </a:t>
+            </a:r>
+            <a:r>
               <a:rPr lang="en-US" dirty="0"/>
-              <a:t>Kiran C </a:t>
-            </a:r>
-            <a:r>
-              <a:rPr lang="en-US" dirty="0" err="1"/>
-              <a:t>Shettar</a:t>
-            </a:r>
-            <a:endParaRPr lang="en-US" dirty="0"/>
+              <a:t>C Shettar</a:t>
+            </a:r>
           </a:p>
         </p:txBody>
       </p:sp>

--- a/Project/Final Presentation/Shoot The Object - Presentation.pptx
+++ b/Project/Final Presentation/Shoot The Object - Presentation.pptx
@@ -134,8 +134,8 @@
 <pc:chgInfo xmlns:a="http://schemas.openxmlformats.org/drawingml/2006/main" xmlns:r="http://schemas.openxmlformats.org/officeDocument/2006/relationships" xmlns:ac="http://schemas.microsoft.com/office/drawing/2013/main/command" xmlns:pc="http://schemas.microsoft.com/office/powerpoint/2013/main/command">
   <pc:docChgLst>
     <pc:chgData name="Kiran Shettar" userId="ce36c2156924a6f9" providerId="LiveId" clId="{CE3D3962-C4B0-448F-AFA2-BF38BAD6AB4C}"/>
-    <pc:docChg chg="modSld">
-      <pc:chgData name="Kiran Shettar" userId="ce36c2156924a6f9" providerId="LiveId" clId="{CE3D3962-C4B0-448F-AFA2-BF38BAD6AB4C}" dt="2017-12-13T08:00:41.774" v="1" actId="20577"/>
+    <pc:docChg chg="custSel modSld">
+      <pc:chgData name="Kiran Shettar" userId="ce36c2156924a6f9" providerId="LiveId" clId="{CE3D3962-C4B0-448F-AFA2-BF38BAD6AB4C}" dt="2017-12-13T22:27:04.248" v="282" actId="20577"/>
       <pc:docMkLst>
         <pc:docMk/>
       </pc:docMkLst>
@@ -151,6 +151,59 @@
             <pc:docMk/>
             <pc:sldMk cId="158768769" sldId="256"/>
             <ac:spMk id="3" creationId="{5D1F2DFA-7081-4E6F-884F-6DC6AFFBBBE8}"/>
+          </ac:spMkLst>
+        </pc:spChg>
+      </pc:sldChg>
+      <pc:sldChg chg="modSp">
+        <pc:chgData name="Kiran Shettar" userId="ce36c2156924a6f9" providerId="LiveId" clId="{CE3D3962-C4B0-448F-AFA2-BF38BAD6AB4C}" dt="2017-12-13T22:23:39.038" v="66" actId="20577"/>
+        <pc:sldMkLst>
+          <pc:docMk/>
+          <pc:sldMk cId="1588496553" sldId="258"/>
+        </pc:sldMkLst>
+        <pc:spChg chg="mod">
+          <ac:chgData name="Kiran Shettar" userId="ce36c2156924a6f9" providerId="LiveId" clId="{CE3D3962-C4B0-448F-AFA2-BF38BAD6AB4C}" dt="2017-12-13T22:23:39.038" v="66" actId="20577"/>
+          <ac:spMkLst>
+            <pc:docMk/>
+            <pc:sldMk cId="1588496553" sldId="258"/>
+            <ac:spMk id="3" creationId="{6EE9AC93-E26E-4D48-A0D9-F2F2F3063EB9}"/>
+          </ac:spMkLst>
+        </pc:spChg>
+      </pc:sldChg>
+      <pc:sldChg chg="modSp">
+        <pc:chgData name="Kiran Shettar" userId="ce36c2156924a6f9" providerId="LiveId" clId="{CE3D3962-C4B0-448F-AFA2-BF38BAD6AB4C}" dt="2017-12-13T22:26:27.428" v="263" actId="20577"/>
+        <pc:sldMkLst>
+          <pc:docMk/>
+          <pc:sldMk cId="670806334" sldId="271"/>
+        </pc:sldMkLst>
+        <pc:spChg chg="mod">
+          <ac:chgData name="Kiran Shettar" userId="ce36c2156924a6f9" providerId="LiveId" clId="{CE3D3962-C4B0-448F-AFA2-BF38BAD6AB4C}" dt="2017-12-13T22:23:18.942" v="11" actId="20577"/>
+          <ac:spMkLst>
+            <pc:docMk/>
+            <pc:sldMk cId="670806334" sldId="271"/>
+            <ac:spMk id="2" creationId="{914DBAB5-B448-489D-B68E-AB5B2C251EBE}"/>
+          </ac:spMkLst>
+        </pc:spChg>
+        <pc:spChg chg="mod">
+          <ac:chgData name="Kiran Shettar" userId="ce36c2156924a6f9" providerId="LiveId" clId="{CE3D3962-C4B0-448F-AFA2-BF38BAD6AB4C}" dt="2017-12-13T22:26:27.428" v="263" actId="20577"/>
+          <ac:spMkLst>
+            <pc:docMk/>
+            <pc:sldMk cId="670806334" sldId="271"/>
+            <ac:spMk id="3" creationId="{48E2E0B5-CC58-4A55-875C-BB20CDE7F7DD}"/>
+          </ac:spMkLst>
+        </pc:spChg>
+      </pc:sldChg>
+      <pc:sldChg chg="modSp">
+        <pc:chgData name="Kiran Shettar" userId="ce36c2156924a6f9" providerId="LiveId" clId="{CE3D3962-C4B0-448F-AFA2-BF38BAD6AB4C}" dt="2017-12-13T22:27:04.248" v="282" actId="20577"/>
+        <pc:sldMkLst>
+          <pc:docMk/>
+          <pc:sldMk cId="927515501" sldId="272"/>
+        </pc:sldMkLst>
+        <pc:spChg chg="mod">
+          <ac:chgData name="Kiran Shettar" userId="ce36c2156924a6f9" providerId="LiveId" clId="{CE3D3962-C4B0-448F-AFA2-BF38BAD6AB4C}" dt="2017-12-13T22:27:04.248" v="282" actId="20577"/>
+          <ac:spMkLst>
+            <pc:docMk/>
+            <pc:sldMk cId="927515501" sldId="272"/>
+            <ac:spMk id="3" creationId="{671DD844-5332-4DC6-9FE7-3AF1619CA7C4}"/>
           </ac:spMkLst>
         </pc:spChg>
       </pc:sldChg>
@@ -10104,7 +10157,7 @@
             <a:pPr algn="ctr"/>
             <a:r>
               <a:rPr lang="en-US" dirty="0"/>
-              <a:t>Difficulties and Learnings</a:t>
+              <a:t>Challenges and Learnings</a:t>
             </a:r>
           </a:p>
         </p:txBody>
@@ -10132,28 +10185,28 @@
           <a:p>
             <a:r>
               <a:rPr lang="en-US" dirty="0"/>
-              <a:t>Difficulties Faced:</a:t>
+              <a:t>Challenges Faced:</a:t>
             </a:r>
           </a:p>
           <a:p>
             <a:pPr lvl="1"/>
             <a:r>
               <a:rPr lang="en-US" dirty="0"/>
-              <a:t>New to Unity</a:t>
+              <a:t>New to Unity &amp; AR Development</a:t>
             </a:r>
           </a:p>
           <a:p>
             <a:pPr lvl="1"/>
             <a:r>
               <a:rPr lang="en-US" dirty="0"/>
-              <a:t>Compiling</a:t>
+              <a:t>Compiling Issues (Unity)</a:t>
             </a:r>
           </a:p>
           <a:p>
             <a:pPr lvl="1"/>
             <a:r>
               <a:rPr lang="en-US" dirty="0"/>
-              <a:t>Voice Commands</a:t>
+              <a:t>Implementing Voice Commands</a:t>
             </a:r>
           </a:p>
           <a:p>
@@ -10170,7 +10223,21 @@
             <a:pPr lvl="1"/>
             <a:r>
               <a:rPr lang="en-US" dirty="0"/>
-              <a:t>Develop a mixed reality app using HoloLens</a:t>
+              <a:t>Develop a mixed reality app using HoloLens Device</a:t>
+            </a:r>
+          </a:p>
+          <a:p>
+            <a:pPr lvl="1"/>
+            <a:r>
+              <a:rPr lang="en-US" dirty="0"/>
+              <a:t>Understanding the windows device portal</a:t>
+            </a:r>
+          </a:p>
+          <a:p>
+            <a:pPr lvl="1"/>
+            <a:r>
+              <a:rPr lang="en-US" dirty="0"/>
+              <a:t>Create Models in Unity</a:t>
             </a:r>
           </a:p>
           <a:p>
@@ -10318,6 +10385,22 @@
           <a:lstStyle/>
           <a:p>
             <a:r>
+              <a:rPr lang="en-US"/>
+              <a:t>User </a:t>
+            </a:r>
+            <a:r>
+              <a:rPr lang="en-US">
+                <a:hlinkClick r:id="rId2"/>
+              </a:rPr>
+              <a:t>Manual</a:t>
+            </a:r>
+            <a:endParaRPr lang="en-US" dirty="0"/>
+          </a:p>
+          <a:p>
+            <a:endParaRPr lang="en-US" dirty="0"/>
+          </a:p>
+          <a:p>
+            <a:r>
               <a:rPr lang="en-US" dirty="0"/>
               <a:t>Video Yet to be Added</a:t>
             </a:r>
@@ -10482,6 +10565,24 @@
             <a:r>
               <a:rPr lang="en-US" dirty="0"/>
               <a:t>Approach</a:t>
+            </a:r>
+          </a:p>
+          <a:p>
+            <a:endParaRPr lang="en-US" dirty="0"/>
+          </a:p>
+          <a:p>
+            <a:r>
+              <a:rPr lang="en-US" dirty="0"/>
+              <a:t>Performance Testing</a:t>
+            </a:r>
+          </a:p>
+          <a:p>
+            <a:endParaRPr lang="en-US" dirty="0"/>
+          </a:p>
+          <a:p>
+            <a:r>
+              <a:rPr lang="en-US" dirty="0"/>
+              <a:t>Challenges and Learnings</a:t>
             </a:r>
           </a:p>
         </p:txBody>

--- a/Project/Final Presentation/Shoot The Object - Presentation.pptx
+++ b/Project/Final Presentation/Shoot The Object - Presentation.pptx
@@ -5,7 +5,7 @@
     <p:sldMasterId id="2147483648" r:id="rId1"/>
   </p:sldMasterIdLst>
   <p:notesMasterIdLst>
-    <p:notesMasterId r:id="rId18"/>
+    <p:notesMasterId r:id="rId19"/>
   </p:notesMasterIdLst>
   <p:sldIdLst>
     <p:sldId id="256" r:id="rId2"/>
@@ -24,6 +24,7 @@
     <p:sldId id="270" r:id="rId15"/>
     <p:sldId id="271" r:id="rId16"/>
     <p:sldId id="272" r:id="rId17"/>
+    <p:sldId id="273" r:id="rId18"/>
   </p:sldIdLst>
   <p:sldSz cx="12192000" cy="6858000"/>
   <p:notesSz cx="6858000" cy="9144000"/>
@@ -134,8 +135,8 @@
 <pc:chgInfo xmlns:a="http://schemas.openxmlformats.org/drawingml/2006/main" xmlns:r="http://schemas.openxmlformats.org/officeDocument/2006/relationships" xmlns:ac="http://schemas.microsoft.com/office/drawing/2013/main/command" xmlns:pc="http://schemas.microsoft.com/office/powerpoint/2013/main/command">
   <pc:docChgLst>
     <pc:chgData name="Kiran Shettar" userId="ce36c2156924a6f9" providerId="LiveId" clId="{CE3D3962-C4B0-448F-AFA2-BF38BAD6AB4C}"/>
-    <pc:docChg chg="custSel modSld">
-      <pc:chgData name="Kiran Shettar" userId="ce36c2156924a6f9" providerId="LiveId" clId="{CE3D3962-C4B0-448F-AFA2-BF38BAD6AB4C}" dt="2017-12-13T22:27:04.248" v="282" actId="20577"/>
+    <pc:docChg chg="custSel addSld modSld">
+      <pc:chgData name="Kiran Shettar" userId="ce36c2156924a6f9" providerId="LiveId" clId="{CE3D3962-C4B0-448F-AFA2-BF38BAD6AB4C}" dt="2017-12-13T22:37:22.278" v="353" actId="20577"/>
       <pc:docMkLst>
         <pc:docMk/>
       </pc:docMkLst>
@@ -166,6 +167,21 @@
             <pc:docMk/>
             <pc:sldMk cId="1588496553" sldId="258"/>
             <ac:spMk id="3" creationId="{6EE9AC93-E26E-4D48-A0D9-F2F2F3063EB9}"/>
+          </ac:spMkLst>
+        </pc:spChg>
+      </pc:sldChg>
+      <pc:sldChg chg="modSp">
+        <pc:chgData name="Kiran Shettar" userId="ce36c2156924a6f9" providerId="LiveId" clId="{CE3D3962-C4B0-448F-AFA2-BF38BAD6AB4C}" dt="2017-12-13T22:37:22.278" v="353" actId="20577"/>
+        <pc:sldMkLst>
+          <pc:docMk/>
+          <pc:sldMk cId="2808987054" sldId="259"/>
+        </pc:sldMkLst>
+        <pc:spChg chg="mod">
+          <ac:chgData name="Kiran Shettar" userId="ce36c2156924a6f9" providerId="LiveId" clId="{CE3D3962-C4B0-448F-AFA2-BF38BAD6AB4C}" dt="2017-12-13T22:37:22.278" v="353" actId="20577"/>
+          <ac:spMkLst>
+            <pc:docMk/>
+            <pc:sldMk cId="2808987054" sldId="259"/>
+            <ac:spMk id="3" creationId="{41EC80D8-71FA-4E4C-847A-303916DDF96D}"/>
           </ac:spMkLst>
         </pc:spChg>
       </pc:sldChg>
@@ -204,6 +220,37 @@
             <pc:docMk/>
             <pc:sldMk cId="927515501" sldId="272"/>
             <ac:spMk id="3" creationId="{671DD844-5332-4DC6-9FE7-3AF1619CA7C4}"/>
+          </ac:spMkLst>
+        </pc:spChg>
+      </pc:sldChg>
+      <pc:sldChg chg="addSp delSp modSp add">
+        <pc:chgData name="Kiran Shettar" userId="ce36c2156924a6f9" providerId="LiveId" clId="{CE3D3962-C4B0-448F-AFA2-BF38BAD6AB4C}" dt="2017-12-13T22:35:59.198" v="311" actId="14100"/>
+        <pc:sldMkLst>
+          <pc:docMk/>
+          <pc:sldMk cId="1286186855" sldId="273"/>
+        </pc:sldMkLst>
+        <pc:spChg chg="del">
+          <ac:chgData name="Kiran Shettar" userId="ce36c2156924a6f9" providerId="LiveId" clId="{CE3D3962-C4B0-448F-AFA2-BF38BAD6AB4C}" dt="2017-12-13T22:35:24.233" v="284"/>
+          <ac:spMkLst>
+            <pc:docMk/>
+            <pc:sldMk cId="1286186855" sldId="273"/>
+            <ac:spMk id="2" creationId="{0A35B9E9-0182-4F9F-BC9B-3BF2E197F172}"/>
+          </ac:spMkLst>
+        </pc:spChg>
+        <pc:spChg chg="del">
+          <ac:chgData name="Kiran Shettar" userId="ce36c2156924a6f9" providerId="LiveId" clId="{CE3D3962-C4B0-448F-AFA2-BF38BAD6AB4C}" dt="2017-12-13T22:35:24.233" v="284"/>
+          <ac:spMkLst>
+            <pc:docMk/>
+            <pc:sldMk cId="1286186855" sldId="273"/>
+            <ac:spMk id="3" creationId="{1AD61E5B-2588-48C0-B5E4-80956A919611}"/>
+          </ac:spMkLst>
+        </pc:spChg>
+        <pc:spChg chg="add mod">
+          <ac:chgData name="Kiran Shettar" userId="ce36c2156924a6f9" providerId="LiveId" clId="{CE3D3962-C4B0-448F-AFA2-BF38BAD6AB4C}" dt="2017-12-13T22:35:59.198" v="311" actId="14100"/>
+          <ac:spMkLst>
+            <pc:docMk/>
+            <pc:sldMk cId="1286186855" sldId="273"/>
+            <ac:spMk id="6" creationId="{BA2FE487-5C98-4C39-8226-02A4C95AFA20}"/>
           </ac:spMkLst>
         </pc:spChg>
       </pc:sldChg>
@@ -10478,6 +10525,129 @@
 </p:sld>
 </file>
 
+<file path=ppt/slides/slide17.xml><?xml version="1.0" encoding="utf-8"?>
+<p:sld xmlns:a="http://schemas.openxmlformats.org/drawingml/2006/main" xmlns:r="http://schemas.openxmlformats.org/officeDocument/2006/relationships" xmlns:p="http://schemas.openxmlformats.org/presentationml/2006/main">
+  <p:cSld>
+    <p:spTree>
+      <p:nvGrpSpPr>
+        <p:cNvPr id="1" name=""/>
+        <p:cNvGrpSpPr/>
+        <p:nvPr/>
+      </p:nvGrpSpPr>
+      <p:grpSpPr>
+        <a:xfrm>
+          <a:off x="0" y="0"/>
+          <a:ext cx="0" cy="0"/>
+          <a:chOff x="0" y="0"/>
+          <a:chExt cx="0" cy="0"/>
+        </a:xfrm>
+      </p:grpSpPr>
+      <p:sp>
+        <p:nvSpPr>
+          <p:cNvPr id="4" name="Date Placeholder 3">
+            <a:extLst>
+              <a:ext uri="{FF2B5EF4-FFF2-40B4-BE49-F238E27FC236}">
+                <a16:creationId xmlns:a16="http://schemas.microsoft.com/office/drawing/2014/main" id="{208C47BB-116A-4CA6-B152-A12B2A4BDE5D}"/>
+              </a:ext>
+            </a:extLst>
+          </p:cNvPr>
+          <p:cNvSpPr>
+            <a:spLocks noGrp="1"/>
+          </p:cNvSpPr>
+          <p:nvPr>
+            <p:ph type="dt" sz="half" idx="10"/>
+          </p:nvPr>
+        </p:nvSpPr>
+        <p:spPr/>
+        <p:txBody>
+          <a:bodyPr/>
+          <a:lstStyle/>
+          <a:p>
+            <a:r>
+              <a:rPr lang="en-US"/>
+              <a:t>12/13/2017</a:t>
+            </a:r>
+            <a:endParaRPr lang="en-US" dirty="0"/>
+          </a:p>
+        </p:txBody>
+      </p:sp>
+      <p:sp>
+        <p:nvSpPr>
+          <p:cNvPr id="5" name="Slide Number Placeholder 4">
+            <a:extLst>
+              <a:ext uri="{FF2B5EF4-FFF2-40B4-BE49-F238E27FC236}">
+                <a16:creationId xmlns:a16="http://schemas.microsoft.com/office/drawing/2014/main" id="{40A760DD-510E-4B20-B2E0-C2D4D9FBE3C7}"/>
+              </a:ext>
+            </a:extLst>
+          </p:cNvPr>
+          <p:cNvSpPr>
+            <a:spLocks noGrp="1"/>
+          </p:cNvSpPr>
+          <p:nvPr>
+            <p:ph type="sldNum" sz="quarter" idx="12"/>
+          </p:nvPr>
+        </p:nvSpPr>
+        <p:spPr/>
+        <p:txBody>
+          <a:bodyPr/>
+          <a:lstStyle/>
+          <a:p>
+            <a:fld id="{D57F1E4F-1CFF-5643-939E-02111984F565}" type="slidenum">
+              <a:rPr lang="en-US" smtClean="0"/>
+              <a:t>17</a:t>
+            </a:fld>
+            <a:endParaRPr lang="en-US" dirty="0"/>
+          </a:p>
+        </p:txBody>
+      </p:sp>
+      <p:sp>
+        <p:nvSpPr>
+          <p:cNvPr id="6" name="TextBox 5">
+            <a:extLst>
+              <a:ext uri="{FF2B5EF4-FFF2-40B4-BE49-F238E27FC236}">
+                <a16:creationId xmlns:a16="http://schemas.microsoft.com/office/drawing/2014/main" id="{BA2FE487-5C98-4C39-8226-02A4C95AFA20}"/>
+              </a:ext>
+            </a:extLst>
+          </p:cNvPr>
+          <p:cNvSpPr txBox="1"/>
+          <p:nvPr/>
+        </p:nvSpPr>
+        <p:spPr>
+          <a:xfrm>
+            <a:off x="3701989" y="3204839"/>
+            <a:ext cx="4367814" cy="1107996"/>
+          </a:xfrm>
+          <a:prstGeom prst="rect">
+            <a:avLst/>
+          </a:prstGeom>
+          <a:noFill/>
+        </p:spPr>
+        <p:txBody>
+          <a:bodyPr wrap="square" rtlCol="0">
+            <a:spAutoFit/>
+          </a:bodyPr>
+          <a:lstStyle/>
+          <a:p>
+            <a:r>
+              <a:rPr lang="en-US" sz="6600" dirty="0"/>
+              <a:t>Thank You</a:t>
+            </a:r>
+          </a:p>
+        </p:txBody>
+      </p:sp>
+    </p:spTree>
+    <p:extLst>
+      <p:ext uri="{BB962C8B-B14F-4D97-AF65-F5344CB8AC3E}">
+        <p14:creationId xmlns:p14="http://schemas.microsoft.com/office/powerpoint/2010/main" val="1286186855"/>
+      </p:ext>
+    </p:extLst>
+  </p:cSld>
+  <p:clrMapOvr>
+    <a:masterClrMapping/>
+  </p:clrMapOvr>
+</p:sld>
+</file>
+
 <file path=ppt/slides/slide2.xml><?xml version="1.0" encoding="utf-8"?>
 <p:sld xmlns:a="http://schemas.openxmlformats.org/drawingml/2006/main" xmlns:r="http://schemas.openxmlformats.org/officeDocument/2006/relationships" xmlns:p="http://schemas.openxmlformats.org/presentationml/2006/main">
   <p:cSld>
@@ -10724,9 +10894,47 @@
           <a:bodyPr/>
           <a:lstStyle/>
           <a:p>
+            <a:endParaRPr lang="en-US" dirty="0"/>
+          </a:p>
+          <a:p>
             <a:r>
               <a:rPr lang="en-US" dirty="0"/>
-              <a:t>Using HoloLens device, a user can play a shooting game using the features like gaze, gesture, voice commands</a:t>
+              <a:t>Using HoloLens device, a user can play a shooting game  </a:t>
+            </a:r>
+          </a:p>
+          <a:p>
+            <a:endParaRPr lang="en-US" dirty="0"/>
+          </a:p>
+          <a:p>
+            <a:r>
+              <a:rPr lang="en-US" dirty="0"/>
+              <a:t>The </a:t>
+            </a:r>
+            <a:r>
+              <a:rPr lang="en-US"/>
+              <a:t>features include:</a:t>
+            </a:r>
+            <a:endParaRPr lang="en-US" dirty="0"/>
+          </a:p>
+          <a:p>
+            <a:pPr lvl="1"/>
+            <a:r>
+              <a:rPr lang="en-US" dirty="0"/>
+              <a:t>Object gazing</a:t>
+            </a:r>
+          </a:p>
+          <a:p>
+            <a:pPr lvl="1"/>
+            <a:r>
+              <a:rPr lang="en-US" dirty="0"/>
+              <a:t>Gesture control</a:t>
+            </a:r>
+          </a:p>
+          <a:p>
+            <a:pPr lvl="1"/>
+            <a:r>
+              <a:rPr lang="en-US" dirty="0"/>
+              <a:t>Voice commands</a:t>
             </a:r>
           </a:p>
         </p:txBody>

--- a/Project/Final Presentation/Shoot The Object - Presentation.pptx
+++ b/Project/Final Presentation/Shoot The Object - Presentation.pptx
@@ -136,7 +136,7 @@
   <pc:docChgLst>
     <pc:chgData name="Kiran Shettar" userId="ce36c2156924a6f9" providerId="LiveId" clId="{CE3D3962-C4B0-448F-AFA2-BF38BAD6AB4C}"/>
     <pc:docChg chg="custSel addSld modSld">
-      <pc:chgData name="Kiran Shettar" userId="ce36c2156924a6f9" providerId="LiveId" clId="{CE3D3962-C4B0-448F-AFA2-BF38BAD6AB4C}" dt="2017-12-13T22:37:22.278" v="353" actId="20577"/>
+      <pc:chgData name="Kiran Shettar" userId="ce36c2156924a6f9" providerId="LiveId" clId="{CE3D3962-C4B0-448F-AFA2-BF38BAD6AB4C}" dt="2017-12-14T20:09:25.072" v="356" actId="20577"/>
       <pc:docMkLst>
         <pc:docMk/>
       </pc:docMkLst>
@@ -209,13 +209,13 @@
         </pc:spChg>
       </pc:sldChg>
       <pc:sldChg chg="modSp">
-        <pc:chgData name="Kiran Shettar" userId="ce36c2156924a6f9" providerId="LiveId" clId="{CE3D3962-C4B0-448F-AFA2-BF38BAD6AB4C}" dt="2017-12-13T22:27:04.248" v="282" actId="20577"/>
+        <pc:chgData name="Kiran Shettar" userId="ce36c2156924a6f9" providerId="LiveId" clId="{CE3D3962-C4B0-448F-AFA2-BF38BAD6AB4C}" dt="2017-12-14T20:09:25.072" v="356" actId="20577"/>
         <pc:sldMkLst>
           <pc:docMk/>
           <pc:sldMk cId="927515501" sldId="272"/>
         </pc:sldMkLst>
         <pc:spChg chg="mod">
-          <ac:chgData name="Kiran Shettar" userId="ce36c2156924a6f9" providerId="LiveId" clId="{CE3D3962-C4B0-448F-AFA2-BF38BAD6AB4C}" dt="2017-12-13T22:27:04.248" v="282" actId="20577"/>
+          <ac:chgData name="Kiran Shettar" userId="ce36c2156924a6f9" providerId="LiveId" clId="{CE3D3962-C4B0-448F-AFA2-BF38BAD6AB4C}" dt="2017-12-14T20:09:25.072" v="356" actId="20577"/>
           <ac:spMkLst>
             <pc:docMk/>
             <pc:sldMk cId="927515501" sldId="272"/>
@@ -230,7 +230,7 @@
           <pc:sldMk cId="1286186855" sldId="273"/>
         </pc:sldMkLst>
         <pc:spChg chg="del">
-          <ac:chgData name="Kiran Shettar" userId="ce36c2156924a6f9" providerId="LiveId" clId="{CE3D3962-C4B0-448F-AFA2-BF38BAD6AB4C}" dt="2017-12-13T22:35:24.233" v="284"/>
+          <ac:chgData name="Kiran Shettar" userId="ce36c2156924a6f9" providerId="LiveId" clId="{CE3D3962-C4B0-448F-AFA2-BF38BAD6AB4C}" dt="2017-12-13T22:35:24.233" v="284" actId="14100"/>
           <ac:spMkLst>
             <pc:docMk/>
             <pc:sldMk cId="1286186855" sldId="273"/>
@@ -238,7 +238,7 @@
           </ac:spMkLst>
         </pc:spChg>
         <pc:spChg chg="del">
-          <ac:chgData name="Kiran Shettar" userId="ce36c2156924a6f9" providerId="LiveId" clId="{CE3D3962-C4B0-448F-AFA2-BF38BAD6AB4C}" dt="2017-12-13T22:35:24.233" v="284"/>
+          <ac:chgData name="Kiran Shettar" userId="ce36c2156924a6f9" providerId="LiveId" clId="{CE3D3962-C4B0-448F-AFA2-BF38BAD6AB4C}" dt="2017-12-13T22:35:24.233" v="284" actId="14100"/>
           <ac:spMkLst>
             <pc:docMk/>
             <pc:sldMk cId="1286186855" sldId="273"/>
@@ -341,7 +341,7 @@
           <a:p>
             <a:fld id="{D77AA528-D5C6-4270-A84F-EFB1A026757F}" type="datetimeFigureOut">
               <a:rPr lang="en-US" smtClean="0"/>
-              <a:t>12/13/2017</a:t>
+              <a:t>12/14/2017</a:t>
             </a:fld>
             <a:endParaRPr lang="en-US"/>
           </a:p>
@@ -10432,11 +10432,11 @@
           <a:lstStyle/>
           <a:p>
             <a:r>
-              <a:rPr lang="en-US"/>
+              <a:rPr lang="en-US" dirty="0"/>
               <a:t>User </a:t>
             </a:r>
             <a:r>
-              <a:rPr lang="en-US">
+              <a:rPr lang="en-US" dirty="0">
                 <a:hlinkClick r:id="rId2"/>
               </a:rPr>
               <a:t>Manual</a:t>
@@ -10448,9 +10448,12 @@
           </a:p>
           <a:p>
             <a:r>
-              <a:rPr lang="en-US" dirty="0"/>
-              <a:t>Video Yet to be Added</a:t>
-            </a:r>
+              <a:rPr lang="en-US" dirty="0">
+                <a:hlinkClick r:id="rId3"/>
+              </a:rPr>
+              <a:t>Video</a:t>
+            </a:r>
+            <a:endParaRPr lang="en-US" dirty="0"/>
           </a:p>
         </p:txBody>
       </p:sp>
